--- a/presentation/YodaLang_presentation.pptx
+++ b/presentation/YodaLang_presentation.pptx
@@ -8,18 +8,19 @@
     <p:sldId id="256" r:id="rId2"/>
     <p:sldId id="263" r:id="rId3"/>
     <p:sldId id="257" r:id="rId4"/>
-    <p:sldId id="258" r:id="rId5"/>
-    <p:sldId id="259" r:id="rId6"/>
-    <p:sldId id="262" r:id="rId7"/>
-    <p:sldId id="264" r:id="rId8"/>
-    <p:sldId id="266" r:id="rId9"/>
-    <p:sldId id="265" r:id="rId10"/>
-    <p:sldId id="267" r:id="rId11"/>
-    <p:sldId id="268" r:id="rId12"/>
-    <p:sldId id="269" r:id="rId13"/>
-    <p:sldId id="270" r:id="rId14"/>
-    <p:sldId id="260" r:id="rId15"/>
-    <p:sldId id="261" r:id="rId16"/>
+    <p:sldId id="271" r:id="rId5"/>
+    <p:sldId id="258" r:id="rId6"/>
+    <p:sldId id="259" r:id="rId7"/>
+    <p:sldId id="262" r:id="rId8"/>
+    <p:sldId id="264" r:id="rId9"/>
+    <p:sldId id="266" r:id="rId10"/>
+    <p:sldId id="265" r:id="rId11"/>
+    <p:sldId id="267" r:id="rId12"/>
+    <p:sldId id="268" r:id="rId13"/>
+    <p:sldId id="269" r:id="rId14"/>
+    <p:sldId id="270" r:id="rId15"/>
+    <p:sldId id="260" r:id="rId16"/>
+    <p:sldId id="261" r:id="rId17"/>
   </p:sldIdLst>
   <p:sldSz cx="12192000" cy="6858000"/>
   <p:notesSz cx="6858000" cy="9144000"/>
@@ -118,6 +119,11 @@
       </a:defRPr>
     </a:lvl9pPr>
   </p:defaultTextStyle>
+  <p:extLst>
+    <p:ext uri="{EFAFB233-063F-42B5-8137-9DF3F51BA10A}">
+      <p15:sldGuideLst xmlns:p15="http://schemas.microsoft.com/office/powerpoint/2012/main"/>
+    </p:ext>
+  </p:extLst>
 </p:presentation>
 </file>
 
@@ -252,7 +258,7 @@
           <a:p>
             <a:fld id="{3182FA32-81DC-4236-98FB-2BF74393DA53}" type="datetimeFigureOut">
               <a:rPr lang="en-US" smtClean="0"/>
-              <a:t>12/4/2016</a:t>
+              <a:t>12/5/2016</a:t>
             </a:fld>
             <a:endParaRPr lang="en-US"/>
           </a:p>
@@ -422,7 +428,7 @@
           <a:p>
             <a:fld id="{3182FA32-81DC-4236-98FB-2BF74393DA53}" type="datetimeFigureOut">
               <a:rPr lang="en-US" smtClean="0"/>
-              <a:t>12/4/2016</a:t>
+              <a:t>12/5/2016</a:t>
             </a:fld>
             <a:endParaRPr lang="en-US"/>
           </a:p>
@@ -602,7 +608,7 @@
           <a:p>
             <a:fld id="{3182FA32-81DC-4236-98FB-2BF74393DA53}" type="datetimeFigureOut">
               <a:rPr lang="en-US" smtClean="0"/>
-              <a:t>12/4/2016</a:t>
+              <a:t>12/5/2016</a:t>
             </a:fld>
             <a:endParaRPr lang="en-US"/>
           </a:p>
@@ -772,7 +778,7 @@
           <a:p>
             <a:fld id="{3182FA32-81DC-4236-98FB-2BF74393DA53}" type="datetimeFigureOut">
               <a:rPr lang="en-US" smtClean="0"/>
-              <a:t>12/4/2016</a:t>
+              <a:t>12/5/2016</a:t>
             </a:fld>
             <a:endParaRPr lang="en-US"/>
           </a:p>
@@ -1018,7 +1024,7 @@
           <a:p>
             <a:fld id="{3182FA32-81DC-4236-98FB-2BF74393DA53}" type="datetimeFigureOut">
               <a:rPr lang="en-US" smtClean="0"/>
-              <a:t>12/4/2016</a:t>
+              <a:t>12/5/2016</a:t>
             </a:fld>
             <a:endParaRPr lang="en-US"/>
           </a:p>
@@ -1250,7 +1256,7 @@
           <a:p>
             <a:fld id="{3182FA32-81DC-4236-98FB-2BF74393DA53}" type="datetimeFigureOut">
               <a:rPr lang="en-US" smtClean="0"/>
-              <a:t>12/4/2016</a:t>
+              <a:t>12/5/2016</a:t>
             </a:fld>
             <a:endParaRPr lang="en-US"/>
           </a:p>
@@ -1617,7 +1623,7 @@
           <a:p>
             <a:fld id="{3182FA32-81DC-4236-98FB-2BF74393DA53}" type="datetimeFigureOut">
               <a:rPr lang="en-US" smtClean="0"/>
-              <a:t>12/4/2016</a:t>
+              <a:t>12/5/2016</a:t>
             </a:fld>
             <a:endParaRPr lang="en-US"/>
           </a:p>
@@ -1735,7 +1741,7 @@
           <a:p>
             <a:fld id="{3182FA32-81DC-4236-98FB-2BF74393DA53}" type="datetimeFigureOut">
               <a:rPr lang="en-US" smtClean="0"/>
-              <a:t>12/4/2016</a:t>
+              <a:t>12/5/2016</a:t>
             </a:fld>
             <a:endParaRPr lang="en-US"/>
           </a:p>
@@ -1830,7 +1836,7 @@
           <a:p>
             <a:fld id="{3182FA32-81DC-4236-98FB-2BF74393DA53}" type="datetimeFigureOut">
               <a:rPr lang="en-US" smtClean="0"/>
-              <a:t>12/4/2016</a:t>
+              <a:t>12/5/2016</a:t>
             </a:fld>
             <a:endParaRPr lang="en-US"/>
           </a:p>
@@ -2107,7 +2113,7 @@
           <a:p>
             <a:fld id="{3182FA32-81DC-4236-98FB-2BF74393DA53}" type="datetimeFigureOut">
               <a:rPr lang="en-US" smtClean="0"/>
-              <a:t>12/4/2016</a:t>
+              <a:t>12/5/2016</a:t>
             </a:fld>
             <a:endParaRPr lang="en-US"/>
           </a:p>
@@ -2364,7 +2370,7 @@
           <a:p>
             <a:fld id="{3182FA32-81DC-4236-98FB-2BF74393DA53}" type="datetimeFigureOut">
               <a:rPr lang="en-US" smtClean="0"/>
-              <a:t>12/4/2016</a:t>
+              <a:t>12/5/2016</a:t>
             </a:fld>
             <a:endParaRPr lang="en-US"/>
           </a:p>
@@ -2577,7 +2583,7 @@
           <a:p>
             <a:fld id="{3182FA32-81DC-4236-98FB-2BF74393DA53}" type="datetimeFigureOut">
               <a:rPr lang="en-US" smtClean="0"/>
-              <a:t>12/4/2016</a:t>
+              <a:t>12/5/2016</a:t>
             </a:fld>
             <a:endParaRPr lang="en-US"/>
           </a:p>
@@ -3354,6 +3360,168 @@
           <a:p>
             <a:r>
               <a:rPr lang="en-US" dirty="0" smtClean="0"/>
+              <a:t>Jedi path (__)	__ -&gt;  1 </a:t>
+            </a:r>
+            <a:r>
+              <a:rPr lang="en-US" dirty="0" err="1" smtClean="0"/>
+              <a:t>equal_to</a:t>
+            </a:r>
+            <a:r>
+              <a:rPr lang="en-US" dirty="0" smtClean="0"/>
+              <a:t> 1</a:t>
+            </a:r>
+          </a:p>
+          <a:p>
+            <a:r>
+              <a:rPr lang="en-US" dirty="0" smtClean="0"/>
+              <a:t>Take </a:t>
+            </a:r>
+            <a:r>
+              <a:rPr lang="en-US" dirty="0" err="1" smtClean="0"/>
+              <a:t>Sith</a:t>
+            </a:r>
+            <a:r>
+              <a:rPr lang="en-US" dirty="0" smtClean="0"/>
+              <a:t> path</a:t>
+            </a:r>
+          </a:p>
+          <a:p>
+            <a:r>
+              <a:rPr lang="en-US" dirty="0" smtClean="0"/>
+              <a:t>Restore the balance you will</a:t>
+            </a:r>
+          </a:p>
+          <a:p>
+            <a:pPr marL="0" indent="0">
+              <a:buNone/>
+            </a:pPr>
+            <a:endParaRPr lang="en-US" dirty="0" smtClean="0"/>
+          </a:p>
+          <a:p>
+            <a:r>
+              <a:rPr lang="en-US" dirty="0" smtClean="0"/>
+              <a:t>What you learned</a:t>
+            </a:r>
+          </a:p>
+          <a:p>
+            <a:r>
+              <a:rPr lang="en-US" dirty="0" smtClean="0"/>
+              <a:t>You must unlearn</a:t>
+            </a:r>
+          </a:p>
+          <a:p>
+            <a:r>
+              <a:rPr lang="en-US" dirty="0" smtClean="0"/>
+              <a:t>Patience young </a:t>
+            </a:r>
+            <a:r>
+              <a:rPr lang="en-US" dirty="0" err="1" smtClean="0"/>
+              <a:t>padawan</a:t>
+            </a:r>
+            <a:endParaRPr lang="en-US" dirty="0" smtClean="0"/>
+          </a:p>
+          <a:p>
+            <a:endParaRPr lang="en-US" dirty="0"/>
+          </a:p>
+        </p:txBody>
+      </p:sp>
+    </p:spTree>
+    <p:extLst>
+      <p:ext uri="{BB962C8B-B14F-4D97-AF65-F5344CB8AC3E}">
+        <p14:creationId xmlns:p14="http://schemas.microsoft.com/office/powerpoint/2010/main" val="3131645746"/>
+      </p:ext>
+    </p:extLst>
+  </p:cSld>
+  <p:clrMapOvr>
+    <a:masterClrMapping/>
+  </p:clrMapOvr>
+  <p:timing>
+    <p:tnLst>
+      <p:par>
+        <p:cTn id="1" dur="indefinite" restart="never" nodeType="tmRoot"/>
+      </p:par>
+    </p:tnLst>
+  </p:timing>
+</p:sld>
+</file>
+
+<file path=ppt/slides/slide11.xml><?xml version="1.0" encoding="utf-8"?>
+<p:sld xmlns:a="http://schemas.openxmlformats.org/drawingml/2006/main" xmlns:r="http://schemas.openxmlformats.org/officeDocument/2006/relationships" xmlns:p="http://schemas.openxmlformats.org/presentationml/2006/main">
+  <p:cSld>
+    <p:spTree>
+      <p:nvGrpSpPr>
+        <p:cNvPr id="1" name=""/>
+        <p:cNvGrpSpPr/>
+        <p:nvPr/>
+      </p:nvGrpSpPr>
+      <p:grpSpPr>
+        <a:xfrm>
+          <a:off x="0" y="0"/>
+          <a:ext cx="0" cy="0"/>
+          <a:chOff x="0" y="0"/>
+          <a:chExt cx="0" cy="0"/>
+        </a:xfrm>
+      </p:grpSpPr>
+      <p:sp>
+        <p:nvSpPr>
+          <p:cNvPr id="2" name="Title 1"/>
+          <p:cNvSpPr>
+            <a:spLocks noGrp="1"/>
+          </p:cNvSpPr>
+          <p:nvPr>
+            <p:ph type="title"/>
+          </p:nvPr>
+        </p:nvSpPr>
+        <p:spPr/>
+        <p:txBody>
+          <a:bodyPr/>
+          <a:lstStyle/>
+          <a:p>
+            <a:r>
+              <a:rPr lang="en-US" dirty="0">
+                <a:solidFill>
+                  <a:srgbClr val="92D050"/>
+                </a:solidFill>
+              </a:rPr>
+              <a:t>Creating a </a:t>
+            </a:r>
+            <a:r>
+              <a:rPr lang="en-US" dirty="0" err="1">
+                <a:solidFill>
+                  <a:srgbClr val="92D050"/>
+                </a:solidFill>
+              </a:rPr>
+              <a:t>YodaLang</a:t>
+            </a:r>
+            <a:r>
+              <a:rPr lang="en-US" dirty="0">
+                <a:solidFill>
+                  <a:srgbClr val="92D050"/>
+                </a:solidFill>
+              </a:rPr>
+              <a:t> program!</a:t>
+            </a:r>
+            <a:endParaRPr lang="en-US" dirty="0"/>
+          </a:p>
+        </p:txBody>
+      </p:sp>
+      <p:sp>
+        <p:nvSpPr>
+          <p:cNvPr id="3" name="Content Placeholder 2"/>
+          <p:cNvSpPr>
+            <a:spLocks noGrp="1"/>
+          </p:cNvSpPr>
+          <p:nvPr>
+            <p:ph idx="1"/>
+          </p:nvPr>
+        </p:nvSpPr>
+        <p:spPr/>
+        <p:txBody>
+          <a:bodyPr/>
+          <a:lstStyle/>
+          <a:p>
+            <a:r>
+              <a:rPr lang="en-US" dirty="0" smtClean="0"/>
               <a:t>Start training “</a:t>
             </a:r>
             <a:r>
@@ -3438,7 +3606,7 @@
 </p:sld>
 </file>
 
-<file path=ppt/slides/slide11.xml><?xml version="1.0" encoding="utf-8"?>
+<file path=ppt/slides/slide12.xml><?xml version="1.0" encoding="utf-8"?>
 <p:sld xmlns:a="http://schemas.openxmlformats.org/drawingml/2006/main" xmlns:r="http://schemas.openxmlformats.org/officeDocument/2006/relationships" xmlns:p="http://schemas.openxmlformats.org/presentationml/2006/main">
   <p:cSld>
     <p:spTree>
@@ -3625,7 +3793,7 @@
 </p:sld>
 </file>
 
-<file path=ppt/slides/slide12.xml><?xml version="1.0" encoding="utf-8"?>
+<file path=ppt/slides/slide13.xml><?xml version="1.0" encoding="utf-8"?>
 <p:sld xmlns:a="http://schemas.openxmlformats.org/drawingml/2006/main" xmlns:r="http://schemas.openxmlformats.org/officeDocument/2006/relationships" xmlns:p="http://schemas.openxmlformats.org/presentationml/2006/main">
   <p:cSld>
     <p:spTree>
@@ -3809,7 +3977,7 @@
 </p:sld>
 </file>
 
-<file path=ppt/slides/slide13.xml><?xml version="1.0" encoding="utf-8"?>
+<file path=ppt/slides/slide14.xml><?xml version="1.0" encoding="utf-8"?>
 <p:sld xmlns:a="http://schemas.openxmlformats.org/drawingml/2006/main" xmlns:r="http://schemas.openxmlformats.org/officeDocument/2006/relationships" xmlns:p="http://schemas.openxmlformats.org/presentationml/2006/main">
   <p:cSld>
     <p:spTree>
@@ -3847,7 +4015,31 @@
                   <a:srgbClr val="92D050"/>
                 </a:solidFill>
               </a:rPr>
-              <a:t>Lift, Do You Even, Yung Skywalker?</a:t>
+              <a:t>Lift, Do You Even</a:t>
+            </a:r>
+            <a:r>
+              <a:rPr lang="en-US" smtClean="0">
+                <a:solidFill>
+                  <a:srgbClr val="92D050"/>
+                </a:solidFill>
+              </a:rPr>
+              <a:t>, </a:t>
+            </a:r>
+            <a:r>
+              <a:rPr lang="en-US" smtClean="0">
+                <a:solidFill>
+                  <a:srgbClr val="92D050"/>
+                </a:solidFill>
+              </a:rPr>
+              <a:t>Young </a:t>
+            </a:r>
+            <a:r>
+              <a:rPr lang="en-US" dirty="0" smtClean="0">
+                <a:solidFill>
+                  <a:srgbClr val="92D050"/>
+                </a:solidFill>
+              </a:rPr>
+              <a:t>Skywalker?</a:t>
             </a:r>
             <a:endParaRPr lang="en-US" dirty="0">
               <a:solidFill>
@@ -3997,7 +4189,7 @@
 </p:sld>
 </file>
 
-<file path=ppt/slides/slide14.xml><?xml version="1.0" encoding="utf-8"?>
+<file path=ppt/slides/slide15.xml><?xml version="1.0" encoding="utf-8"?>
 <p:sld xmlns:a="http://schemas.openxmlformats.org/drawingml/2006/main" xmlns:r="http://schemas.openxmlformats.org/officeDocument/2006/relationships" xmlns:p="http://schemas.openxmlformats.org/presentationml/2006/main">
   <p:cSld>
     <p:spTree>
@@ -4124,7 +4316,7 @@
 </p:sld>
 </file>
 
-<file path=ppt/slides/slide15.xml><?xml version="1.0" encoding="utf-8"?>
+<file path=ppt/slides/slide16.xml><?xml version="1.0" encoding="utf-8"?>
 <p:sld xmlns:a="http://schemas.openxmlformats.org/drawingml/2006/main" xmlns:r="http://schemas.openxmlformats.org/officeDocument/2006/relationships" xmlns:p="http://schemas.openxmlformats.org/presentationml/2006/main">
   <p:cSld>
     <p:spTree>
@@ -4729,23 +4921,7 @@
                   <a:srgbClr val="92D050"/>
                 </a:solidFill>
               </a:rPr>
-              <a:t>What is </a:t>
-            </a:r>
-            <a:r>
-              <a:rPr lang="en-US" dirty="0" err="1" smtClean="0">
-                <a:solidFill>
-                  <a:srgbClr val="92D050"/>
-                </a:solidFill>
-              </a:rPr>
-              <a:t>YodaLang</a:t>
-            </a:r>
-            <a:r>
-              <a:rPr lang="en-US" dirty="0" smtClean="0">
-                <a:solidFill>
-                  <a:srgbClr val="92D050"/>
-                </a:solidFill>
-              </a:rPr>
-              <a:t>?</a:t>
+              <a:t>Major Sources</a:t>
             </a:r>
             <a:endParaRPr lang="en-US" dirty="0">
               <a:solidFill>
@@ -4758,46 +4934,250 @@
       <p:sp>
         <p:nvSpPr>
           <p:cNvPr id="3" name="Content Placeholder 2"/>
-          <p:cNvSpPr>
-            <a:spLocks noGrp="1"/>
-          </p:cNvSpPr>
-          <p:nvPr>
-            <p:ph idx="1"/>
-          </p:nvPr>
-        </p:nvSpPr>
-        <p:spPr/>
-        <p:txBody>
-          <a:bodyPr/>
-          <a:lstStyle/>
-          <a:p>
-            <a:r>
-              <a:rPr lang="en-US" dirty="0" smtClean="0"/>
-              <a:t>Internal Scala DSL</a:t>
-            </a:r>
-          </a:p>
-          <a:p>
-            <a:r>
-              <a:rPr lang="en-US" dirty="0" smtClean="0"/>
-              <a:t>Turing complete</a:t>
-            </a:r>
-          </a:p>
-          <a:p>
-            <a:r>
-              <a:rPr lang="en-US" dirty="0" smtClean="0"/>
-              <a:t>Uses simple English-like syntax and semantics (with a Yoda twist)</a:t>
-            </a:r>
-          </a:p>
-          <a:p>
-            <a:r>
-              <a:rPr lang="en-US" dirty="0" smtClean="0"/>
-              <a:t>Type safe (mostly)</a:t>
-            </a:r>
-          </a:p>
-          <a:p>
-            <a:r>
-              <a:rPr lang="en-US" dirty="0" smtClean="0"/>
-              <a:t>Allows Yoda to pass on his knowledge on force </a:t>
-            </a:r>
+          <p:cNvSpPr txBox="1">
+            <a:spLocks/>
+          </p:cNvSpPr>
+          <p:nvPr/>
+        </p:nvSpPr>
+        <p:spPr>
+          <a:xfrm>
+            <a:off x="838200" y="1825625"/>
+            <a:ext cx="10515600" cy="4351338"/>
+          </a:xfrm>
+          <a:prstGeom prst="rect">
+            <a:avLst/>
+          </a:prstGeom>
+        </p:spPr>
+        <p:txBody>
+          <a:bodyPr/>
+          <a:lstStyle>
+            <a:lvl1pPr marL="228600" indent="-228600" algn="l" defTabSz="914400" rtl="0" eaLnBrk="1" latinLnBrk="0" hangingPunct="1">
+              <a:lnSpc>
+                <a:spcPct val="90000"/>
+              </a:lnSpc>
+              <a:spcBef>
+                <a:spcPts val="1000"/>
+              </a:spcBef>
+              <a:buFont typeface="Arial" panose="020B0604020202020204" pitchFamily="34" charset="0"/>
+              <a:buChar char="•"/>
+              <a:defRPr sz="2800" kern="1200">
+                <a:solidFill>
+                  <a:schemeClr val="tx1"/>
+                </a:solidFill>
+                <a:latin typeface="+mn-lt"/>
+                <a:ea typeface="+mn-ea"/>
+                <a:cs typeface="+mn-cs"/>
+              </a:defRPr>
+            </a:lvl1pPr>
+            <a:lvl2pPr marL="685800" indent="-228600" algn="l" defTabSz="914400" rtl="0" eaLnBrk="1" latinLnBrk="0" hangingPunct="1">
+              <a:lnSpc>
+                <a:spcPct val="90000"/>
+              </a:lnSpc>
+              <a:spcBef>
+                <a:spcPts val="500"/>
+              </a:spcBef>
+              <a:buFont typeface="Arial" panose="020B0604020202020204" pitchFamily="34" charset="0"/>
+              <a:buChar char="•"/>
+              <a:defRPr sz="2400" kern="1200">
+                <a:solidFill>
+                  <a:schemeClr val="tx1"/>
+                </a:solidFill>
+                <a:latin typeface="+mn-lt"/>
+                <a:ea typeface="+mn-ea"/>
+                <a:cs typeface="+mn-cs"/>
+              </a:defRPr>
+            </a:lvl2pPr>
+            <a:lvl3pPr marL="1143000" indent="-228600" algn="l" defTabSz="914400" rtl="0" eaLnBrk="1" latinLnBrk="0" hangingPunct="1">
+              <a:lnSpc>
+                <a:spcPct val="90000"/>
+              </a:lnSpc>
+              <a:spcBef>
+                <a:spcPts val="500"/>
+              </a:spcBef>
+              <a:buFont typeface="Arial" panose="020B0604020202020204" pitchFamily="34" charset="0"/>
+              <a:buChar char="•"/>
+              <a:defRPr sz="2000" kern="1200">
+                <a:solidFill>
+                  <a:schemeClr val="tx1"/>
+                </a:solidFill>
+                <a:latin typeface="+mn-lt"/>
+                <a:ea typeface="+mn-ea"/>
+                <a:cs typeface="+mn-cs"/>
+              </a:defRPr>
+            </a:lvl3pPr>
+            <a:lvl4pPr marL="1600200" indent="-228600" algn="l" defTabSz="914400" rtl="0" eaLnBrk="1" latinLnBrk="0" hangingPunct="1">
+              <a:lnSpc>
+                <a:spcPct val="90000"/>
+              </a:lnSpc>
+              <a:spcBef>
+                <a:spcPts val="500"/>
+              </a:spcBef>
+              <a:buFont typeface="Arial" panose="020B0604020202020204" pitchFamily="34" charset="0"/>
+              <a:buChar char="•"/>
+              <a:defRPr sz="1800" kern="1200">
+                <a:solidFill>
+                  <a:schemeClr val="tx1"/>
+                </a:solidFill>
+                <a:latin typeface="+mn-lt"/>
+                <a:ea typeface="+mn-ea"/>
+                <a:cs typeface="+mn-cs"/>
+              </a:defRPr>
+            </a:lvl4pPr>
+            <a:lvl5pPr marL="2057400" indent="-228600" algn="l" defTabSz="914400" rtl="0" eaLnBrk="1" latinLnBrk="0" hangingPunct="1">
+              <a:lnSpc>
+                <a:spcPct val="90000"/>
+              </a:lnSpc>
+              <a:spcBef>
+                <a:spcPts val="500"/>
+              </a:spcBef>
+              <a:buFont typeface="Arial" panose="020B0604020202020204" pitchFamily="34" charset="0"/>
+              <a:buChar char="•"/>
+              <a:defRPr sz="1800" kern="1200">
+                <a:solidFill>
+                  <a:schemeClr val="tx1"/>
+                </a:solidFill>
+                <a:latin typeface="+mn-lt"/>
+                <a:ea typeface="+mn-ea"/>
+                <a:cs typeface="+mn-cs"/>
+              </a:defRPr>
+            </a:lvl5pPr>
+            <a:lvl6pPr marL="2514600" indent="-228600" algn="l" defTabSz="914400" rtl="0" eaLnBrk="1" latinLnBrk="0" hangingPunct="1">
+              <a:lnSpc>
+                <a:spcPct val="90000"/>
+              </a:lnSpc>
+              <a:spcBef>
+                <a:spcPts val="500"/>
+              </a:spcBef>
+              <a:buFont typeface="Arial" panose="020B0604020202020204" pitchFamily="34" charset="0"/>
+              <a:buChar char="•"/>
+              <a:defRPr sz="1800" kern="1200">
+                <a:solidFill>
+                  <a:schemeClr val="tx1"/>
+                </a:solidFill>
+                <a:latin typeface="+mn-lt"/>
+                <a:ea typeface="+mn-ea"/>
+                <a:cs typeface="+mn-cs"/>
+              </a:defRPr>
+            </a:lvl6pPr>
+            <a:lvl7pPr marL="2971800" indent="-228600" algn="l" defTabSz="914400" rtl="0" eaLnBrk="1" latinLnBrk="0" hangingPunct="1">
+              <a:lnSpc>
+                <a:spcPct val="90000"/>
+              </a:lnSpc>
+              <a:spcBef>
+                <a:spcPts val="500"/>
+              </a:spcBef>
+              <a:buFont typeface="Arial" panose="020B0604020202020204" pitchFamily="34" charset="0"/>
+              <a:buChar char="•"/>
+              <a:defRPr sz="1800" kern="1200">
+                <a:solidFill>
+                  <a:schemeClr val="tx1"/>
+                </a:solidFill>
+                <a:latin typeface="+mn-lt"/>
+                <a:ea typeface="+mn-ea"/>
+                <a:cs typeface="+mn-cs"/>
+              </a:defRPr>
+            </a:lvl7pPr>
+            <a:lvl8pPr marL="3429000" indent="-228600" algn="l" defTabSz="914400" rtl="0" eaLnBrk="1" latinLnBrk="0" hangingPunct="1">
+              <a:lnSpc>
+                <a:spcPct val="90000"/>
+              </a:lnSpc>
+              <a:spcBef>
+                <a:spcPts val="500"/>
+              </a:spcBef>
+              <a:buFont typeface="Arial" panose="020B0604020202020204" pitchFamily="34" charset="0"/>
+              <a:buChar char="•"/>
+              <a:defRPr sz="1800" kern="1200">
+                <a:solidFill>
+                  <a:schemeClr val="tx1"/>
+                </a:solidFill>
+                <a:latin typeface="+mn-lt"/>
+                <a:ea typeface="+mn-ea"/>
+                <a:cs typeface="+mn-cs"/>
+              </a:defRPr>
+            </a:lvl8pPr>
+            <a:lvl9pPr marL="3886200" indent="-228600" algn="l" defTabSz="914400" rtl="0" eaLnBrk="1" latinLnBrk="0" hangingPunct="1">
+              <a:lnSpc>
+                <a:spcPct val="90000"/>
+              </a:lnSpc>
+              <a:spcBef>
+                <a:spcPts val="500"/>
+              </a:spcBef>
+              <a:buFont typeface="Arial" panose="020B0604020202020204" pitchFamily="34" charset="0"/>
+              <a:buChar char="•"/>
+              <a:defRPr sz="1800" kern="1200">
+                <a:solidFill>
+                  <a:schemeClr val="tx1"/>
+                </a:solidFill>
+                <a:latin typeface="+mn-lt"/>
+                <a:ea typeface="+mn-ea"/>
+                <a:cs typeface="+mn-cs"/>
+              </a:defRPr>
+            </a:lvl9pPr>
+          </a:lstStyle>
+          <a:p>
+            <a:pPr marL="0" indent="0">
+              <a:buNone/>
+            </a:pPr>
+            <a:r>
+              <a:rPr lang="en-US" dirty="0" smtClean="0"/>
+              <a:t>BAYSICK </a:t>
+            </a:r>
+            <a:r>
+              <a:rPr lang="en-US" dirty="0"/>
+              <a:t>- https://</a:t>
+            </a:r>
+            <a:r>
+              <a:rPr lang="en-US" dirty="0" smtClean="0"/>
+              <a:t>github.com/fogus/baysick</a:t>
+            </a:r>
+          </a:p>
+          <a:p>
+            <a:pPr marL="0" indent="0">
+              <a:buNone/>
+            </a:pPr>
+            <a:r>
+              <a:rPr lang="en-US" dirty="0" err="1" smtClean="0"/>
+              <a:t>basic.scala</a:t>
+            </a:r>
+            <a:r>
+              <a:rPr lang="en-US" dirty="0"/>
+              <a:t> - https://</a:t>
+            </a:r>
+            <a:r>
+              <a:rPr lang="en-US" dirty="0" smtClean="0"/>
+              <a:t>gist.github.com/jrk/87146</a:t>
+            </a:r>
+          </a:p>
+          <a:p>
+            <a:pPr marL="0" indent="0">
+              <a:buNone/>
+            </a:pPr>
+            <a:r>
+              <a:rPr lang="en-US" dirty="0" err="1" smtClean="0"/>
+              <a:t>gimme</a:t>
+            </a:r>
+            <a:r>
+              <a:rPr lang="en-US" dirty="0"/>
+              <a:t> - https://</a:t>
+            </a:r>
+            <a:r>
+              <a:rPr lang="en-US" dirty="0" smtClean="0"/>
+              <a:t>github.com/l-hoang/gimme</a:t>
+            </a:r>
+          </a:p>
+          <a:p>
+            <a:pPr marL="0" indent="0">
+              <a:buNone/>
+            </a:pPr>
+            <a:r>
+              <a:rPr lang="en-US" dirty="0" err="1" smtClean="0"/>
+              <a:t>scala</a:t>
+            </a:r>
+            <a:r>
+              <a:rPr lang="en-US" dirty="0"/>
+              <a:t>-chef - https://github.com/l-hoang/scala-chef</a:t>
+            </a:r>
+            <a:endParaRPr lang="en-US" dirty="0" smtClean="0"/>
           </a:p>
           <a:p>
             <a:pPr marL="0" indent="0">
@@ -4810,20 +5190,13 @@
     </p:spTree>
     <p:extLst>
       <p:ext uri="{BB962C8B-B14F-4D97-AF65-F5344CB8AC3E}">
-        <p14:creationId xmlns:p14="http://schemas.microsoft.com/office/powerpoint/2010/main" val="574865275"/>
+        <p14:creationId xmlns:p14="http://schemas.microsoft.com/office/powerpoint/2010/main" val="1602909380"/>
       </p:ext>
     </p:extLst>
   </p:cSld>
   <p:clrMapOvr>
     <a:masterClrMapping/>
   </p:clrMapOvr>
-  <p:timing>
-    <p:tnLst>
-      <p:par>
-        <p:cTn id="1" dur="indefinite" restart="never" nodeType="tmRoot"/>
-      </p:par>
-    </p:tnLst>
-  </p:timing>
 </p:sld>
 </file>
 
@@ -4865,7 +5238,23 @@
                   <a:srgbClr val="92D050"/>
                 </a:solidFill>
               </a:rPr>
-              <a:t>Language Features</a:t>
+              <a:t>What is </a:t>
+            </a:r>
+            <a:r>
+              <a:rPr lang="en-US" dirty="0" err="1" smtClean="0">
+                <a:solidFill>
+                  <a:srgbClr val="92D050"/>
+                </a:solidFill>
+              </a:rPr>
+              <a:t>YodaLang</a:t>
+            </a:r>
+            <a:r>
+              <a:rPr lang="en-US" dirty="0" smtClean="0">
+                <a:solidFill>
+                  <a:srgbClr val="92D050"/>
+                </a:solidFill>
+              </a:rPr>
+              <a:t>?</a:t>
             </a:r>
             <a:endParaRPr lang="en-US" dirty="0">
               <a:solidFill>
@@ -4885,74 +5274,43 @@
             <p:ph idx="1"/>
           </p:nvPr>
         </p:nvSpPr>
-        <p:spPr>
-          <a:xfrm>
-            <a:off x="838200" y="1825624"/>
-            <a:ext cx="10515600" cy="5032375"/>
-          </a:xfrm>
-        </p:spPr>
-        <p:txBody>
-          <a:bodyPr/>
-          <a:lstStyle/>
+        <p:spPr/>
+        <p:txBody>
+          <a:bodyPr/>
+          <a:lstStyle/>
+          <a:p>
+            <a:r>
+              <a:rPr lang="en-US" dirty="0" smtClean="0"/>
+              <a:t>Internal Scala </a:t>
+            </a:r>
+            <a:r>
+              <a:rPr lang="en-US" dirty="0" smtClean="0"/>
+              <a:t>DSL</a:t>
+            </a:r>
+            <a:endParaRPr lang="en-US" dirty="0" smtClean="0"/>
+          </a:p>
+          <a:p>
+            <a:r>
+              <a:rPr lang="en-US" dirty="0" smtClean="0"/>
+              <a:t>Uses simple English-like syntax and semantics (with a Yoda twist)</a:t>
+            </a:r>
+          </a:p>
+          <a:p>
+            <a:r>
+              <a:rPr lang="en-US" dirty="0" smtClean="0"/>
+              <a:t>Type safe (mostly)</a:t>
+            </a:r>
+          </a:p>
+          <a:p>
+            <a:r>
+              <a:rPr lang="en-US" dirty="0" smtClean="0"/>
+              <a:t>Allows Yoda to pass on his knowledge on force </a:t>
+            </a:r>
+          </a:p>
           <a:p>
             <a:pPr marL="0" indent="0">
               <a:buNone/>
             </a:pPr>
-            <a:r>
-              <a:rPr lang="en-US" u="sng" dirty="0" smtClean="0"/>
-              <a:t>Main Language Features</a:t>
-            </a:r>
-          </a:p>
-          <a:p>
-            <a:r>
-              <a:rPr lang="en-US" dirty="0" smtClean="0"/>
-              <a:t>Console output</a:t>
-            </a:r>
-          </a:p>
-          <a:p>
-            <a:r>
-              <a:rPr lang="en-US" dirty="0" smtClean="0"/>
-              <a:t>Variable storage and recollection</a:t>
-            </a:r>
-          </a:p>
-          <a:p>
-            <a:r>
-              <a:rPr lang="en-US" dirty="0" smtClean="0"/>
-              <a:t>Conditionals</a:t>
-            </a:r>
-          </a:p>
-          <a:p>
-            <a:r>
-              <a:rPr lang="en-US" dirty="0" smtClean="0"/>
-              <a:t>Loops</a:t>
-            </a:r>
-          </a:p>
-          <a:p>
-            <a:r>
-              <a:rPr lang="en-US" dirty="0" smtClean="0"/>
-              <a:t>Functions</a:t>
-            </a:r>
-          </a:p>
-          <a:p>
-            <a:pPr marL="0" indent="0">
-              <a:buNone/>
-            </a:pPr>
-            <a:r>
-              <a:rPr lang="en-US" u="sng" dirty="0" smtClean="0"/>
-              <a:t>Additional features</a:t>
-            </a:r>
-          </a:p>
-          <a:p>
-            <a:r>
-              <a:rPr lang="en-US" dirty="0" smtClean="0"/>
-              <a:t>Planet and object creation</a:t>
-            </a:r>
-          </a:p>
-          <a:p>
-            <a:r>
-              <a:rPr lang="en-US" dirty="0" smtClean="0"/>
-              <a:t>Various force and acceleration calculations</a:t>
-            </a:r>
             <a:endParaRPr lang="en-US" dirty="0"/>
           </a:p>
         </p:txBody>
@@ -4960,7 +5318,7 @@
     </p:spTree>
     <p:extLst>
       <p:ext uri="{BB962C8B-B14F-4D97-AF65-F5344CB8AC3E}">
-        <p14:creationId xmlns:p14="http://schemas.microsoft.com/office/powerpoint/2010/main" val="3731198729"/>
+        <p14:creationId xmlns:p14="http://schemas.microsoft.com/office/powerpoint/2010/main" val="574865275"/>
       </p:ext>
     </p:extLst>
   </p:cSld>
@@ -5015,23 +5373,7 @@
                   <a:srgbClr val="92D050"/>
                 </a:solidFill>
               </a:rPr>
-              <a:t>Creating a </a:t>
-            </a:r>
-            <a:r>
-              <a:rPr lang="en-US" dirty="0" err="1" smtClean="0">
-                <a:solidFill>
-                  <a:srgbClr val="92D050"/>
-                </a:solidFill>
-              </a:rPr>
-              <a:t>YodaLang</a:t>
-            </a:r>
-            <a:r>
-              <a:rPr lang="en-US" dirty="0" smtClean="0">
-                <a:solidFill>
-                  <a:srgbClr val="92D050"/>
-                </a:solidFill>
-              </a:rPr>
-              <a:t> program!</a:t>
+              <a:t>Language Features</a:t>
             </a:r>
             <a:endParaRPr lang="en-US" dirty="0">
               <a:solidFill>
@@ -5051,162 +5393,87 @@
             <p:ph idx="1"/>
           </p:nvPr>
         </p:nvSpPr>
-        <p:spPr/>
-        <p:txBody>
-          <a:bodyPr>
-            <a:normAutofit fontScale="85000" lnSpcReduction="20000"/>
-          </a:bodyPr>
+        <p:spPr>
+          <a:xfrm>
+            <a:off x="838200" y="1825624"/>
+            <a:ext cx="10515600" cy="5032375"/>
+          </a:xfrm>
+        </p:spPr>
+        <p:txBody>
+          <a:bodyPr/>
           <a:lstStyle/>
           <a:p>
             <a:pPr marL="0" indent="0">
               <a:buNone/>
             </a:pPr>
             <a:r>
-              <a:rPr lang="en-US" dirty="0"/>
-              <a:t>import </a:t>
-            </a:r>
-            <a:r>
-              <a:rPr lang="en-US" dirty="0" err="1"/>
-              <a:t>yodalang.YodaLang</a:t>
+              <a:rPr lang="en-US" u="sng" dirty="0" smtClean="0"/>
+              <a:t>Main Language Features</a:t>
+            </a:r>
+          </a:p>
+          <a:p>
+            <a:r>
+              <a:rPr lang="en-US" dirty="0" smtClean="0"/>
+              <a:t>Console output</a:t>
+            </a:r>
+          </a:p>
+          <a:p>
+            <a:r>
+              <a:rPr lang="en-US" dirty="0" smtClean="0"/>
+              <a:t>Variable storage and </a:t>
+            </a:r>
+            <a:r>
+              <a:rPr lang="en-US" dirty="0" smtClean="0"/>
+              <a:t>retrieval</a:t>
+            </a:r>
+            <a:endParaRPr lang="en-US" dirty="0" smtClean="0"/>
+          </a:p>
+          <a:p>
+            <a:r>
+              <a:rPr lang="en-US" dirty="0" smtClean="0"/>
+              <a:t>Conditionals</a:t>
+            </a:r>
+          </a:p>
+          <a:p>
+            <a:r>
+              <a:rPr lang="en-US" dirty="0" smtClean="0"/>
+              <a:t>Loops</a:t>
+            </a:r>
+          </a:p>
+          <a:p>
+            <a:r>
+              <a:rPr lang="en-US" dirty="0" smtClean="0"/>
+              <a:t>Functions</a:t>
+            </a:r>
+          </a:p>
+          <a:p>
+            <a:pPr marL="0" indent="0">
+              <a:buNone/>
+            </a:pPr>
+            <a:r>
+              <a:rPr lang="en-US" u="sng" dirty="0" smtClean="0"/>
+              <a:t>Additional features</a:t>
+            </a:r>
+          </a:p>
+          <a:p>
+            <a:r>
+              <a:rPr lang="en-US" dirty="0" smtClean="0"/>
+              <a:t>Planet and object creation</a:t>
+            </a:r>
+          </a:p>
+          <a:p>
+            <a:r>
+              <a:rPr lang="en-US" dirty="0" smtClean="0"/>
+              <a:t>Various force and acceleration calculations</a:t>
             </a:r>
             <a:endParaRPr lang="en-US" dirty="0"/>
-          </a:p>
-          <a:p>
-            <a:pPr marL="0" indent="0">
-              <a:buNone/>
-            </a:pPr>
-            <a:endParaRPr lang="en-US" dirty="0"/>
-          </a:p>
-          <a:p>
-            <a:pPr marL="0" indent="0">
-              <a:buNone/>
-            </a:pPr>
-            <a:r>
-              <a:rPr lang="en-US" dirty="0"/>
-              <a:t>object </a:t>
-            </a:r>
-            <a:r>
-              <a:rPr lang="en-US" i="1" dirty="0" err="1" smtClean="0"/>
-              <a:t>Program_Name</a:t>
-            </a:r>
-            <a:r>
-              <a:rPr lang="en-US" dirty="0" smtClean="0"/>
-              <a:t> </a:t>
-            </a:r>
-            <a:r>
-              <a:rPr lang="en-US" dirty="0"/>
-              <a:t>extends </a:t>
-            </a:r>
-            <a:r>
-              <a:rPr lang="en-US" dirty="0" err="1"/>
-              <a:t>YodaLang</a:t>
-            </a:r>
-            <a:r>
-              <a:rPr lang="en-US" dirty="0"/>
-              <a:t> {</a:t>
-            </a:r>
-          </a:p>
-          <a:p>
-            <a:pPr marL="0" indent="0">
-              <a:buNone/>
-            </a:pPr>
-            <a:r>
-              <a:rPr lang="en-US" dirty="0"/>
-              <a:t>  </a:t>
-            </a:r>
-            <a:r>
-              <a:rPr lang="en-US" dirty="0" err="1"/>
-              <a:t>def</a:t>
-            </a:r>
-            <a:r>
-              <a:rPr lang="en-US" dirty="0"/>
-              <a:t> main(</a:t>
-            </a:r>
-            <a:r>
-              <a:rPr lang="en-US" dirty="0" err="1"/>
-              <a:t>args</a:t>
-            </a:r>
-            <a:r>
-              <a:rPr lang="en-US" dirty="0"/>
-              <a:t>: Array[String]) = {</a:t>
-            </a:r>
-          </a:p>
-          <a:p>
-            <a:pPr marL="0" indent="0">
-              <a:buNone/>
-            </a:pPr>
-            <a:r>
-              <a:rPr lang="en-US" dirty="0"/>
-              <a:t>    Begin we will</a:t>
-            </a:r>
-          </a:p>
-          <a:p>
-            <a:pPr marL="0" indent="0">
-              <a:buNone/>
-            </a:pPr>
-            <a:endParaRPr lang="en-US" dirty="0"/>
-          </a:p>
-          <a:p>
-            <a:pPr marL="0" indent="0">
-              <a:buNone/>
-            </a:pPr>
-            <a:r>
-              <a:rPr lang="en-US" dirty="0"/>
-              <a:t> </a:t>
-            </a:r>
-            <a:r>
-              <a:rPr lang="en-US" dirty="0" smtClean="0"/>
-              <a:t>   </a:t>
-            </a:r>
-            <a:r>
-              <a:rPr lang="en-US" i="1" dirty="0" err="1" smtClean="0"/>
-              <a:t>YodaLang</a:t>
-            </a:r>
-            <a:r>
-              <a:rPr lang="en-US" i="1" dirty="0" smtClean="0"/>
-              <a:t> Code …</a:t>
-            </a:r>
-            <a:endParaRPr lang="en-US" dirty="0" smtClean="0"/>
-          </a:p>
-          <a:p>
-            <a:pPr marL="0" indent="0">
-              <a:buNone/>
-            </a:pPr>
-            <a:endParaRPr lang="en-US" dirty="0"/>
-          </a:p>
-          <a:p>
-            <a:pPr marL="0" indent="0">
-              <a:buNone/>
-            </a:pPr>
-            <a:r>
-              <a:rPr lang="en-US" dirty="0"/>
-              <a:t>    Finish we will</a:t>
-            </a:r>
-          </a:p>
-          <a:p>
-            <a:pPr marL="0" indent="0">
-              <a:buNone/>
-            </a:pPr>
-            <a:r>
-              <a:rPr lang="en-US" dirty="0"/>
-              <a:t>  }</a:t>
-            </a:r>
-          </a:p>
-          <a:p>
-            <a:pPr marL="0" indent="0">
-              <a:buNone/>
-            </a:pPr>
-            <a:r>
-              <a:rPr lang="en-US" dirty="0"/>
-              <a:t>}</a:t>
-            </a:r>
           </a:p>
         </p:txBody>
       </p:sp>
     </p:spTree>
     <p:extLst>
       <p:ext uri="{BB962C8B-B14F-4D97-AF65-F5344CB8AC3E}">
-        <p14:creationId xmlns:p14="http://schemas.microsoft.com/office/powerpoint/2010/main" val="2642304968"/>
+        <p14:creationId xmlns:p14="http://schemas.microsoft.com/office/powerpoint/2010/main" val="3731198729"/>
       </p:ext>
     </p:extLst>
   </p:cSld>
@@ -5256,7 +5523,7 @@
           <a:lstStyle/>
           <a:p>
             <a:r>
-              <a:rPr lang="en-US" dirty="0">
+              <a:rPr lang="en-US" dirty="0" smtClean="0">
                 <a:solidFill>
                   <a:srgbClr val="92D050"/>
                 </a:solidFill>
@@ -5264,7 +5531,7 @@
               <a:t>Creating a </a:t>
             </a:r>
             <a:r>
-              <a:rPr lang="en-US" dirty="0" err="1">
+              <a:rPr lang="en-US" dirty="0" err="1" smtClean="0">
                 <a:solidFill>
                   <a:srgbClr val="92D050"/>
                 </a:solidFill>
@@ -5272,80 +5539,187 @@
               <a:t>YodaLang</a:t>
             </a:r>
             <a:r>
-              <a:rPr lang="en-US" dirty="0">
+              <a:rPr lang="en-US" dirty="0" smtClean="0">
                 <a:solidFill>
                   <a:srgbClr val="92D050"/>
                 </a:solidFill>
               </a:rPr>
               <a:t> program!</a:t>
             </a:r>
+            <a:endParaRPr lang="en-US" dirty="0">
+              <a:solidFill>
+                <a:srgbClr val="92D050"/>
+              </a:solidFill>
+            </a:endParaRPr>
+          </a:p>
+        </p:txBody>
+      </p:sp>
+      <p:sp>
+        <p:nvSpPr>
+          <p:cNvPr id="3" name="Content Placeholder 2"/>
+          <p:cNvSpPr>
+            <a:spLocks noGrp="1"/>
+          </p:cNvSpPr>
+          <p:nvPr>
+            <p:ph idx="1"/>
+          </p:nvPr>
+        </p:nvSpPr>
+        <p:spPr/>
+        <p:txBody>
+          <a:bodyPr>
+            <a:normAutofit fontScale="85000" lnSpcReduction="20000"/>
+          </a:bodyPr>
+          <a:lstStyle/>
+          <a:p>
+            <a:pPr marL="0" indent="0">
+              <a:buNone/>
+            </a:pPr>
+            <a:r>
+              <a:rPr lang="en-US" dirty="0"/>
+              <a:t>import </a:t>
+            </a:r>
+            <a:r>
+              <a:rPr lang="en-US" dirty="0" err="1"/>
+              <a:t>yodalang.YodaLang</a:t>
+            </a:r>
             <a:endParaRPr lang="en-US" dirty="0"/>
           </a:p>
-        </p:txBody>
-      </p:sp>
-      <p:sp>
-        <p:nvSpPr>
-          <p:cNvPr id="3" name="Content Placeholder 2"/>
-          <p:cNvSpPr>
-            <a:spLocks noGrp="1"/>
-          </p:cNvSpPr>
-          <p:nvPr>
-            <p:ph idx="1"/>
-          </p:nvPr>
-        </p:nvSpPr>
-        <p:spPr/>
-        <p:txBody>
-          <a:bodyPr/>
-          <a:lstStyle/>
-          <a:p>
-            <a:r>
-              <a:rPr lang="en-US" dirty="0" smtClean="0"/>
-              <a:t>Begin we will</a:t>
-            </a:r>
-          </a:p>
-          <a:p>
-            <a:r>
-              <a:rPr lang="en-US" dirty="0" smtClean="0"/>
-              <a:t>Show me __ you will	__ -&gt;  “Hello, world!”, 101, 2.3, (5 minus 1)</a:t>
-            </a:r>
-          </a:p>
-          <a:p>
-            <a:r>
-              <a:rPr lang="en-US" dirty="0" smtClean="0"/>
-              <a:t>Force push “</a:t>
+          <a:p>
+            <a:pPr marL="0" indent="0">
+              <a:buNone/>
+            </a:pPr>
+            <a:endParaRPr lang="en-US" dirty="0"/>
+          </a:p>
+          <a:p>
+            <a:pPr marL="0" indent="0">
+              <a:buNone/>
+            </a:pPr>
+            <a:r>
+              <a:rPr lang="en-US" dirty="0"/>
+              <a:t>object </a:t>
             </a:r>
             <a:r>
               <a:rPr lang="en-US" i="1" dirty="0" err="1" smtClean="0"/>
-              <a:t>var_name</a:t>
-            </a:r>
-            <a:r>
-              <a:rPr lang="en-US" dirty="0" smtClean="0"/>
-              <a:t>” as __     __ -&gt; “String </a:t>
-            </a:r>
-            <a:r>
-              <a:rPr lang="en-US" dirty="0" err="1" smtClean="0"/>
-              <a:t>var</a:t>
-            </a:r>
-            <a:r>
-              <a:rPr lang="en-US" dirty="0" smtClean="0"/>
-              <a:t>”, 2, 3.1, (2 times 2)</a:t>
-            </a:r>
-          </a:p>
-          <a:p>
-            <a:r>
-              <a:rPr lang="en-US" dirty="0" smtClean="0"/>
-              <a:t>Finish we will	</a:t>
-            </a:r>
-          </a:p>
-          <a:p>
+              <a:t>Program_Name</a:t>
+            </a:r>
+            <a:r>
+              <a:rPr lang="en-US" dirty="0" smtClean="0"/>
+              <a:t> </a:t>
+            </a:r>
+            <a:r>
+              <a:rPr lang="en-US" dirty="0"/>
+              <a:t>extends </a:t>
+            </a:r>
+            <a:r>
+              <a:rPr lang="en-US" dirty="0" err="1"/>
+              <a:t>YodaLang</a:t>
+            </a:r>
+            <a:r>
+              <a:rPr lang="en-US" dirty="0"/>
+              <a:t> {</a:t>
+            </a:r>
+          </a:p>
+          <a:p>
+            <a:pPr marL="0" indent="0">
+              <a:buNone/>
+            </a:pPr>
+            <a:r>
+              <a:rPr lang="en-US" dirty="0"/>
+              <a:t>  </a:t>
+            </a:r>
+            <a:r>
+              <a:rPr lang="en-US" dirty="0" err="1"/>
+              <a:t>def</a:t>
+            </a:r>
+            <a:r>
+              <a:rPr lang="en-US" dirty="0"/>
+              <a:t> main(</a:t>
+            </a:r>
+            <a:r>
+              <a:rPr lang="en-US" dirty="0" err="1"/>
+              <a:t>args</a:t>
+            </a:r>
+            <a:r>
+              <a:rPr lang="en-US" dirty="0"/>
+              <a:t>: Array[String]) = {</a:t>
+            </a:r>
+          </a:p>
+          <a:p>
+            <a:pPr marL="0" indent="0">
+              <a:buNone/>
+            </a:pPr>
+            <a:r>
+              <a:rPr lang="en-US" dirty="0"/>
+              <a:t>    Begin we will</a:t>
+            </a:r>
+          </a:p>
+          <a:p>
+            <a:pPr marL="0" indent="0">
+              <a:buNone/>
+            </a:pPr>
             <a:endParaRPr lang="en-US" dirty="0"/>
+          </a:p>
+          <a:p>
+            <a:pPr marL="0" indent="0">
+              <a:buNone/>
+            </a:pPr>
+            <a:r>
+              <a:rPr lang="en-US" dirty="0"/>
+              <a:t> </a:t>
+            </a:r>
+            <a:r>
+              <a:rPr lang="en-US" dirty="0" smtClean="0"/>
+              <a:t>   </a:t>
+            </a:r>
+            <a:r>
+              <a:rPr lang="en-US" i="1" dirty="0" err="1" smtClean="0"/>
+              <a:t>YodaLang</a:t>
+            </a:r>
+            <a:r>
+              <a:rPr lang="en-US" i="1" dirty="0" smtClean="0"/>
+              <a:t> Code …</a:t>
+            </a:r>
+            <a:endParaRPr lang="en-US" dirty="0" smtClean="0"/>
+          </a:p>
+          <a:p>
+            <a:pPr marL="0" indent="0">
+              <a:buNone/>
+            </a:pPr>
+            <a:endParaRPr lang="en-US" dirty="0"/>
+          </a:p>
+          <a:p>
+            <a:pPr marL="0" indent="0">
+              <a:buNone/>
+            </a:pPr>
+            <a:r>
+              <a:rPr lang="en-US" dirty="0"/>
+              <a:t>    Finish we will</a:t>
+            </a:r>
+          </a:p>
+          <a:p>
+            <a:pPr marL="0" indent="0">
+              <a:buNone/>
+            </a:pPr>
+            <a:r>
+              <a:rPr lang="en-US" dirty="0"/>
+              <a:t>  }</a:t>
+            </a:r>
+          </a:p>
+          <a:p>
+            <a:pPr marL="0" indent="0">
+              <a:buNone/>
+            </a:pPr>
+            <a:r>
+              <a:rPr lang="en-US" dirty="0"/>
+              <a:t>}</a:t>
+            </a:r>
           </a:p>
         </p:txBody>
       </p:sp>
     </p:spTree>
     <p:extLst>
       <p:ext uri="{BB962C8B-B14F-4D97-AF65-F5344CB8AC3E}">
-        <p14:creationId xmlns:p14="http://schemas.microsoft.com/office/powerpoint/2010/main" val="3746072557"/>
+        <p14:creationId xmlns:p14="http://schemas.microsoft.com/office/powerpoint/2010/main" val="2642304968"/>
       </p:ext>
     </p:extLst>
   </p:cSld>
@@ -5439,66 +5813,44 @@
           <a:p>
             <a:r>
               <a:rPr lang="en-US" dirty="0" smtClean="0"/>
-              <a:t>Fear leads “</a:t>
+              <a:t>Begin we will</a:t>
+            </a:r>
+          </a:p>
+          <a:p>
+            <a:r>
+              <a:rPr lang="en-US" dirty="0" smtClean="0"/>
+              <a:t>Show me __ you will	__ -&gt;  “Hello, world!”, 101, 2.3, (5 minus 1)</a:t>
+            </a:r>
+          </a:p>
+          <a:p>
+            <a:r>
+              <a:rPr lang="en-US" dirty="0" smtClean="0"/>
+              <a:t>Force push “</a:t>
             </a:r>
             <a:r>
               <a:rPr lang="en-US" i="1" dirty="0" err="1" smtClean="0"/>
+              <a:t>var_name</a:t>
+            </a:r>
+            <a:r>
+              <a:rPr lang="en-US" dirty="0" smtClean="0"/>
+              <a:t>” as __     __ -&gt; “String </a:t>
+            </a:r>
+            <a:r>
+              <a:rPr lang="en-US" dirty="0" err="1" smtClean="0"/>
               <a:t>var</a:t>
             </a:r>
             <a:r>
               <a:rPr lang="en-US" dirty="0" smtClean="0"/>
-              <a:t>” anger 5</a:t>
-            </a:r>
-          </a:p>
-          <a:p>
-            <a:r>
-              <a:rPr lang="en-US" dirty="0" smtClean="0"/>
-              <a:t>Anger leads “</a:t>
-            </a:r>
-            <a:r>
-              <a:rPr lang="en-US" i="1" dirty="0" err="1" smtClean="0"/>
-              <a:t>var</a:t>
-            </a:r>
-            <a:r>
-              <a:rPr lang="en-US" dirty="0" smtClean="0"/>
-              <a:t>” hate “</a:t>
-            </a:r>
-            <a:r>
-              <a:rPr lang="en-US" i="1" dirty="0" err="1" smtClean="0"/>
-              <a:t>var</a:t>
-            </a:r>
-            <a:r>
-              <a:rPr lang="en-US" dirty="0" smtClean="0"/>
-              <a:t>”</a:t>
-            </a:r>
-          </a:p>
-          <a:p>
-            <a:r>
-              <a:rPr lang="en-US" dirty="0" smtClean="0"/>
-              <a:t>Hate leads “</a:t>
-            </a:r>
-            <a:r>
-              <a:rPr lang="en-US" i="1" dirty="0" err="1" smtClean="0"/>
-              <a:t>var</a:t>
-            </a:r>
-            <a:r>
-              <a:rPr lang="en-US" dirty="0" smtClean="0"/>
-              <a:t>” suffering 2.0</a:t>
-            </a:r>
-          </a:p>
-          <a:p>
-            <a:r>
-              <a:rPr lang="en-US" dirty="0" smtClean="0"/>
-              <a:t>Suffering leads “</a:t>
-            </a:r>
-            <a:r>
-              <a:rPr lang="en-US" i="1" dirty="0" err="1" smtClean="0"/>
-              <a:t>var</a:t>
-            </a:r>
-            <a:r>
-              <a:rPr lang="en-US" dirty="0" smtClean="0"/>
-              <a:t>” darkness 1</a:t>
-            </a:r>
+              <a:t>”, 2, 3.1, (2 times 2)</a:t>
+            </a:r>
+          </a:p>
+          <a:p>
+            <a:r>
+              <a:rPr lang="en-US" dirty="0" smtClean="0"/>
+              <a:t>Finish we will	</a:t>
+            </a:r>
+          </a:p>
+          <a:p>
             <a:endParaRPr lang="en-US" dirty="0"/>
           </a:p>
         </p:txBody>
@@ -5506,7 +5858,7 @@
     </p:spTree>
     <p:extLst>
       <p:ext uri="{BB962C8B-B14F-4D97-AF65-F5344CB8AC3E}">
-        <p14:creationId xmlns:p14="http://schemas.microsoft.com/office/powerpoint/2010/main" val="2651581664"/>
+        <p14:creationId xmlns:p14="http://schemas.microsoft.com/office/powerpoint/2010/main" val="3746072557"/>
       </p:ext>
     </p:extLst>
   </p:cSld>
@@ -5600,67 +5952,66 @@
           <a:p>
             <a:r>
               <a:rPr lang="en-US" dirty="0" smtClean="0"/>
-              <a:t>Jedi path (__)	__ -&gt;  1 </a:t>
-            </a:r>
-            <a:r>
-              <a:rPr lang="en-US" dirty="0" err="1" smtClean="0"/>
-              <a:t>equal_to</a:t>
-            </a:r>
-            <a:r>
-              <a:rPr lang="en-US" dirty="0" smtClean="0"/>
-              <a:t> 1</a:t>
-            </a:r>
-          </a:p>
-          <a:p>
-            <a:r>
-              <a:rPr lang="en-US" dirty="0" smtClean="0"/>
-              <a:t>Take </a:t>
-            </a:r>
-            <a:r>
-              <a:rPr lang="en-US" dirty="0" err="1" smtClean="0"/>
-              <a:t>Sith</a:t>
-            </a:r>
-            <a:r>
-              <a:rPr lang="en-US" dirty="0" smtClean="0"/>
-              <a:t> path</a:t>
-            </a:r>
-          </a:p>
-          <a:p>
-            <a:r>
-              <a:rPr lang="en-US" dirty="0" smtClean="0"/>
-              <a:t>Restore the balance you will</a:t>
-            </a:r>
-          </a:p>
-          <a:p>
-            <a:pPr marL="0" indent="0">
-              <a:buNone/>
-            </a:pPr>
-            <a:endParaRPr lang="en-US" dirty="0" smtClean="0"/>
-          </a:p>
-          <a:p>
-            <a:r>
-              <a:rPr lang="en-US" dirty="0" smtClean="0"/>
-              <a:t>What you learned</a:t>
-            </a:r>
-          </a:p>
-          <a:p>
-            <a:r>
-              <a:rPr lang="en-US" dirty="0" smtClean="0"/>
-              <a:t>You must unlearn</a:t>
-            </a:r>
-          </a:p>
-          <a:p>
-            <a:r>
-              <a:rPr lang="en-US" dirty="0" smtClean="0"/>
-              <a:t>Patience young </a:t>
-            </a:r>
-            <a:r>
-              <a:rPr lang="en-US" dirty="0" err="1" smtClean="0"/>
-              <a:t>padawan</a:t>
-            </a:r>
-            <a:endParaRPr lang="en-US" dirty="0" smtClean="0"/>
-          </a:p>
-          <a:p>
+              <a:t>Fear leads “</a:t>
+            </a:r>
+            <a:r>
+              <a:rPr lang="en-US" i="1" dirty="0" err="1" smtClean="0"/>
+              <a:t>var</a:t>
+            </a:r>
+            <a:r>
+              <a:rPr lang="en-US" dirty="0" smtClean="0"/>
+              <a:t>” anger 5</a:t>
+            </a:r>
+          </a:p>
+          <a:p>
+            <a:r>
+              <a:rPr lang="en-US" dirty="0" smtClean="0"/>
+              <a:t>Anger leads “</a:t>
+            </a:r>
+            <a:r>
+              <a:rPr lang="en-US" i="1" dirty="0" err="1" smtClean="0"/>
+              <a:t>var</a:t>
+            </a:r>
+            <a:r>
+              <a:rPr lang="en-US" dirty="0" smtClean="0"/>
+              <a:t>” hate “</a:t>
+            </a:r>
+            <a:r>
+              <a:rPr lang="en-US" i="1" dirty="0" err="1" smtClean="0"/>
+              <a:t>var</a:t>
+            </a:r>
+            <a:r>
+              <a:rPr lang="en-US" dirty="0" smtClean="0"/>
+              <a:t>”</a:t>
+            </a:r>
+          </a:p>
+          <a:p>
+            <a:r>
+              <a:rPr lang="en-US" dirty="0" smtClean="0"/>
+              <a:t>Hate leads “</a:t>
+            </a:r>
+            <a:r>
+              <a:rPr lang="en-US" i="1" dirty="0" err="1" smtClean="0"/>
+              <a:t>var</a:t>
+            </a:r>
+            <a:r>
+              <a:rPr lang="en-US" dirty="0" smtClean="0"/>
+              <a:t>” suffering 2.0</a:t>
+            </a:r>
+          </a:p>
+          <a:p>
+            <a:r>
+              <a:rPr lang="en-US" dirty="0" smtClean="0"/>
+              <a:t>Suffering leads “</a:t>
+            </a:r>
+            <a:r>
+              <a:rPr lang="en-US" i="1" dirty="0" err="1" smtClean="0"/>
+              <a:t>var</a:t>
+            </a:r>
+            <a:r>
+              <a:rPr lang="en-US" dirty="0" smtClean="0"/>
+              <a:t>” darkness 1</a:t>
+            </a:r>
             <a:endParaRPr lang="en-US" dirty="0"/>
           </a:p>
         </p:txBody>
@@ -5668,7 +6019,7 @@
     </p:spTree>
     <p:extLst>
       <p:ext uri="{BB962C8B-B14F-4D97-AF65-F5344CB8AC3E}">
-        <p14:creationId xmlns:p14="http://schemas.microsoft.com/office/powerpoint/2010/main" val="3131645746"/>
+        <p14:creationId xmlns:p14="http://schemas.microsoft.com/office/powerpoint/2010/main" val="2651581664"/>
       </p:ext>
     </p:extLst>
   </p:cSld>
